--- a/ppt 16-9/0833.主耶稣，我羡慕.pptx
+++ b/ppt 16-9/0833.主耶稣，我羡慕.pptx
@@ -5,7 +5,7 @@
     <p:sldMasterId id="2147483648" r:id="rId1"/>
   </p:sldMasterIdLst>
   <p:sldIdLst>
-    <p:sldId id="2118" r:id="rId2"/>
+    <p:sldId id="2120" r:id="rId2"/>
   </p:sldIdLst>
   <p:sldSz cx="12192000" cy="6858000"/>
   <p:notesSz cx="6858000" cy="9144000"/>
@@ -129,7 +129,7 @@
           <p:cNvPr id="2" name="标题 1">
             <a:extLst>
               <a:ext uri="{FF2B5EF4-FFF2-40B4-BE49-F238E27FC236}">
-                <a16:creationId xmlns:a16="http://schemas.microsoft.com/office/drawing/2014/main" id="{90CBE41F-3612-702B-030E-CD756A65E8A7}"/>
+                <a16:creationId xmlns:a16="http://schemas.microsoft.com/office/drawing/2014/main" id="{6080ABC6-79B7-BB86-8A29-BB0FE24597AF}"/>
               </a:ext>
             </a:extLst>
           </p:cNvPr>
@@ -166,7 +166,7 @@
           <p:cNvPr id="3" name="副标题 2">
             <a:extLst>
               <a:ext uri="{FF2B5EF4-FFF2-40B4-BE49-F238E27FC236}">
-                <a16:creationId xmlns:a16="http://schemas.microsoft.com/office/drawing/2014/main" id="{E988EBD2-AF95-1FF1-031B-DB0F1334FFAE}"/>
+                <a16:creationId xmlns:a16="http://schemas.microsoft.com/office/drawing/2014/main" id="{71406E12-6D47-4BAA-C4DF-AD6D83F4F184}"/>
               </a:ext>
             </a:extLst>
           </p:cNvPr>
@@ -236,7 +236,7 @@
           <p:cNvPr id="4" name="日期占位符 3">
             <a:extLst>
               <a:ext uri="{FF2B5EF4-FFF2-40B4-BE49-F238E27FC236}">
-                <a16:creationId xmlns:a16="http://schemas.microsoft.com/office/drawing/2014/main" id="{A1044C6D-9D54-3B58-4CE0-AF01F9079112}"/>
+                <a16:creationId xmlns:a16="http://schemas.microsoft.com/office/drawing/2014/main" id="{0F4201E9-A9C3-DBBD-5BC6-D9C3E09F3B27}"/>
               </a:ext>
             </a:extLst>
           </p:cNvPr>
@@ -252,7 +252,7 @@
           <a:bodyPr/>
           <a:lstStyle/>
           <a:p>
-            <a:fld id="{39C2AE4D-5497-42D2-833E-6A9A269534C8}" type="datetimeFigureOut">
+            <a:fld id="{A929F3FB-F4C3-44BF-A5FE-D56F027338FF}" type="datetimeFigureOut">
               <a:rPr lang="zh-CN" altLang="en-US" smtClean="0"/>
               <a:t>2024/3/10</a:t>
             </a:fld>
@@ -265,7 +265,7 @@
           <p:cNvPr id="5" name="页脚占位符 4">
             <a:extLst>
               <a:ext uri="{FF2B5EF4-FFF2-40B4-BE49-F238E27FC236}">
-                <a16:creationId xmlns:a16="http://schemas.microsoft.com/office/drawing/2014/main" id="{0C8ACFF4-FD97-F44C-6F51-A6917C57EACC}"/>
+                <a16:creationId xmlns:a16="http://schemas.microsoft.com/office/drawing/2014/main" id="{51EB46CD-1E5B-4113-D6FC-3704FFB55343}"/>
               </a:ext>
             </a:extLst>
           </p:cNvPr>
@@ -290,7 +290,7 @@
           <p:cNvPr id="6" name="灯片编号占位符 5">
             <a:extLst>
               <a:ext uri="{FF2B5EF4-FFF2-40B4-BE49-F238E27FC236}">
-                <a16:creationId xmlns:a16="http://schemas.microsoft.com/office/drawing/2014/main" id="{69A2277A-E167-F0FE-DB41-D8688759325C}"/>
+                <a16:creationId xmlns:a16="http://schemas.microsoft.com/office/drawing/2014/main" id="{9C6018D6-55A4-DA67-B946-C4590D2B24D0}"/>
               </a:ext>
             </a:extLst>
           </p:cNvPr>
@@ -306,7 +306,7 @@
           <a:bodyPr/>
           <a:lstStyle/>
           <a:p>
-            <a:fld id="{0ADFCE8F-D7CF-4E25-AFD5-BAA7CEC198EA}" type="slidenum">
+            <a:fld id="{99DEF94A-5CA1-4BB5-880C-2540FE052B78}" type="slidenum">
               <a:rPr lang="zh-CN" altLang="en-US" smtClean="0"/>
               <a:t>‹#›</a:t>
             </a:fld>
@@ -317,7 +317,7 @@
     </p:spTree>
     <p:extLst>
       <p:ext uri="{BB962C8B-B14F-4D97-AF65-F5344CB8AC3E}">
-        <p14:creationId xmlns:p14="http://schemas.microsoft.com/office/powerpoint/2010/main" val="3956562370"/>
+        <p14:creationId xmlns:p14="http://schemas.microsoft.com/office/powerpoint/2010/main" val="3586939782"/>
       </p:ext>
     </p:extLst>
   </p:cSld>
@@ -349,7 +349,7 @@
           <p:cNvPr id="2" name="标题 1">
             <a:extLst>
               <a:ext uri="{FF2B5EF4-FFF2-40B4-BE49-F238E27FC236}">
-                <a16:creationId xmlns:a16="http://schemas.microsoft.com/office/drawing/2014/main" id="{5B0B018E-366D-0C13-00A9-1962DFDAFB1A}"/>
+                <a16:creationId xmlns:a16="http://schemas.microsoft.com/office/drawing/2014/main" id="{CD422EEB-1159-0E65-57F4-2CB457BEEFE4}"/>
               </a:ext>
             </a:extLst>
           </p:cNvPr>
@@ -377,7 +377,7 @@
           <p:cNvPr id="3" name="竖排文字占位符 2">
             <a:extLst>
               <a:ext uri="{FF2B5EF4-FFF2-40B4-BE49-F238E27FC236}">
-                <a16:creationId xmlns:a16="http://schemas.microsoft.com/office/drawing/2014/main" id="{1A9F9CDB-802C-ED8F-0F29-713A16ED18F9}"/>
+                <a16:creationId xmlns:a16="http://schemas.microsoft.com/office/drawing/2014/main" id="{B531B4BC-D8C8-AA00-74E1-2907C9D1DD2C}"/>
               </a:ext>
             </a:extLst>
           </p:cNvPr>
@@ -434,7 +434,7 @@
           <p:cNvPr id="4" name="日期占位符 3">
             <a:extLst>
               <a:ext uri="{FF2B5EF4-FFF2-40B4-BE49-F238E27FC236}">
-                <a16:creationId xmlns:a16="http://schemas.microsoft.com/office/drawing/2014/main" id="{74EDEE05-B450-2BC6-3C38-945CC223240D}"/>
+                <a16:creationId xmlns:a16="http://schemas.microsoft.com/office/drawing/2014/main" id="{516588E0-54A2-001D-A8A9-1E92DB9F765B}"/>
               </a:ext>
             </a:extLst>
           </p:cNvPr>
@@ -450,7 +450,7 @@
           <a:bodyPr/>
           <a:lstStyle/>
           <a:p>
-            <a:fld id="{39C2AE4D-5497-42D2-833E-6A9A269534C8}" type="datetimeFigureOut">
+            <a:fld id="{A929F3FB-F4C3-44BF-A5FE-D56F027338FF}" type="datetimeFigureOut">
               <a:rPr lang="zh-CN" altLang="en-US" smtClean="0"/>
               <a:t>2024/3/10</a:t>
             </a:fld>
@@ -463,7 +463,7 @@
           <p:cNvPr id="5" name="页脚占位符 4">
             <a:extLst>
               <a:ext uri="{FF2B5EF4-FFF2-40B4-BE49-F238E27FC236}">
-                <a16:creationId xmlns:a16="http://schemas.microsoft.com/office/drawing/2014/main" id="{E94C85CC-422D-85A2-96A3-C1FCE08B312F}"/>
+                <a16:creationId xmlns:a16="http://schemas.microsoft.com/office/drawing/2014/main" id="{90C6EC21-AC93-BFDE-F485-536FC5BBCCAE}"/>
               </a:ext>
             </a:extLst>
           </p:cNvPr>
@@ -488,7 +488,7 @@
           <p:cNvPr id="6" name="灯片编号占位符 5">
             <a:extLst>
               <a:ext uri="{FF2B5EF4-FFF2-40B4-BE49-F238E27FC236}">
-                <a16:creationId xmlns:a16="http://schemas.microsoft.com/office/drawing/2014/main" id="{EBEFF386-00EB-2300-2EC6-A987C9C12852}"/>
+                <a16:creationId xmlns:a16="http://schemas.microsoft.com/office/drawing/2014/main" id="{ECF24665-282A-FF36-0226-8A2EFEC9B5E7}"/>
               </a:ext>
             </a:extLst>
           </p:cNvPr>
@@ -504,7 +504,7 @@
           <a:bodyPr/>
           <a:lstStyle/>
           <a:p>
-            <a:fld id="{0ADFCE8F-D7CF-4E25-AFD5-BAA7CEC198EA}" type="slidenum">
+            <a:fld id="{99DEF94A-5CA1-4BB5-880C-2540FE052B78}" type="slidenum">
               <a:rPr lang="zh-CN" altLang="en-US" smtClean="0"/>
               <a:t>‹#›</a:t>
             </a:fld>
@@ -515,7 +515,7 @@
     </p:spTree>
     <p:extLst>
       <p:ext uri="{BB962C8B-B14F-4D97-AF65-F5344CB8AC3E}">
-        <p14:creationId xmlns:p14="http://schemas.microsoft.com/office/powerpoint/2010/main" val="2721421941"/>
+        <p14:creationId xmlns:p14="http://schemas.microsoft.com/office/powerpoint/2010/main" val="297520935"/>
       </p:ext>
     </p:extLst>
   </p:cSld>
@@ -547,7 +547,7 @@
           <p:cNvPr id="2" name="竖排标题 1">
             <a:extLst>
               <a:ext uri="{FF2B5EF4-FFF2-40B4-BE49-F238E27FC236}">
-                <a16:creationId xmlns:a16="http://schemas.microsoft.com/office/drawing/2014/main" id="{0848FA23-9F1E-1C54-65A3-F5C6B76FA275}"/>
+                <a16:creationId xmlns:a16="http://schemas.microsoft.com/office/drawing/2014/main" id="{CAEDCAEE-6A48-FD08-1F45-A6373B826526}"/>
               </a:ext>
             </a:extLst>
           </p:cNvPr>
@@ -580,7 +580,7 @@
           <p:cNvPr id="3" name="竖排文字占位符 2">
             <a:extLst>
               <a:ext uri="{FF2B5EF4-FFF2-40B4-BE49-F238E27FC236}">
-                <a16:creationId xmlns:a16="http://schemas.microsoft.com/office/drawing/2014/main" id="{DDE0F1C6-D871-AAFE-EEB5-D4B0134F546F}"/>
+                <a16:creationId xmlns:a16="http://schemas.microsoft.com/office/drawing/2014/main" id="{2DE78912-BCF7-9E3E-9415-31F746674329}"/>
               </a:ext>
             </a:extLst>
           </p:cNvPr>
@@ -642,7 +642,7 @@
           <p:cNvPr id="4" name="日期占位符 3">
             <a:extLst>
               <a:ext uri="{FF2B5EF4-FFF2-40B4-BE49-F238E27FC236}">
-                <a16:creationId xmlns:a16="http://schemas.microsoft.com/office/drawing/2014/main" id="{4FE2804E-3AC7-F4CD-AB80-F4A77F0F5B87}"/>
+                <a16:creationId xmlns:a16="http://schemas.microsoft.com/office/drawing/2014/main" id="{18430459-F7B1-6CCC-F9A1-44D1A5476AEA}"/>
               </a:ext>
             </a:extLst>
           </p:cNvPr>
@@ -658,7 +658,7 @@
           <a:bodyPr/>
           <a:lstStyle/>
           <a:p>
-            <a:fld id="{39C2AE4D-5497-42D2-833E-6A9A269534C8}" type="datetimeFigureOut">
+            <a:fld id="{A929F3FB-F4C3-44BF-A5FE-D56F027338FF}" type="datetimeFigureOut">
               <a:rPr lang="zh-CN" altLang="en-US" smtClean="0"/>
               <a:t>2024/3/10</a:t>
             </a:fld>
@@ -671,7 +671,7 @@
           <p:cNvPr id="5" name="页脚占位符 4">
             <a:extLst>
               <a:ext uri="{FF2B5EF4-FFF2-40B4-BE49-F238E27FC236}">
-                <a16:creationId xmlns:a16="http://schemas.microsoft.com/office/drawing/2014/main" id="{8889EFBB-2B41-8955-C534-767A80D84191}"/>
+                <a16:creationId xmlns:a16="http://schemas.microsoft.com/office/drawing/2014/main" id="{1B23B527-0546-8052-7382-AD1D5D7FCF1D}"/>
               </a:ext>
             </a:extLst>
           </p:cNvPr>
@@ -696,7 +696,7 @@
           <p:cNvPr id="6" name="灯片编号占位符 5">
             <a:extLst>
               <a:ext uri="{FF2B5EF4-FFF2-40B4-BE49-F238E27FC236}">
-                <a16:creationId xmlns:a16="http://schemas.microsoft.com/office/drawing/2014/main" id="{BF22065D-292B-9270-74FF-867C4DECFFF7}"/>
+                <a16:creationId xmlns:a16="http://schemas.microsoft.com/office/drawing/2014/main" id="{18A93C3A-2EA4-5D1C-7473-A2F6B475F8F2}"/>
               </a:ext>
             </a:extLst>
           </p:cNvPr>
@@ -712,7 +712,7 @@
           <a:bodyPr/>
           <a:lstStyle/>
           <a:p>
-            <a:fld id="{0ADFCE8F-D7CF-4E25-AFD5-BAA7CEC198EA}" type="slidenum">
+            <a:fld id="{99DEF94A-5CA1-4BB5-880C-2540FE052B78}" type="slidenum">
               <a:rPr lang="zh-CN" altLang="en-US" smtClean="0"/>
               <a:t>‹#›</a:t>
             </a:fld>
@@ -723,7 +723,7 @@
     </p:spTree>
     <p:extLst>
       <p:ext uri="{BB962C8B-B14F-4D97-AF65-F5344CB8AC3E}">
-        <p14:creationId xmlns:p14="http://schemas.microsoft.com/office/powerpoint/2010/main" val="1818592681"/>
+        <p14:creationId xmlns:p14="http://schemas.microsoft.com/office/powerpoint/2010/main" val="2202473010"/>
       </p:ext>
     </p:extLst>
   </p:cSld>
@@ -755,7 +755,7 @@
           <p:cNvPr id="2" name="标题 1">
             <a:extLst>
               <a:ext uri="{FF2B5EF4-FFF2-40B4-BE49-F238E27FC236}">
-                <a16:creationId xmlns:a16="http://schemas.microsoft.com/office/drawing/2014/main" id="{03D77FB8-728B-6096-D988-EA01E498D122}"/>
+                <a16:creationId xmlns:a16="http://schemas.microsoft.com/office/drawing/2014/main" id="{2D1ED9AA-2CD5-CAF1-C446-375B325FD914}"/>
               </a:ext>
             </a:extLst>
           </p:cNvPr>
@@ -783,7 +783,7 @@
           <p:cNvPr id="3" name="内容占位符 2">
             <a:extLst>
               <a:ext uri="{FF2B5EF4-FFF2-40B4-BE49-F238E27FC236}">
-                <a16:creationId xmlns:a16="http://schemas.microsoft.com/office/drawing/2014/main" id="{C06E477C-D39D-C9DB-5E48-8A85F6CD5147}"/>
+                <a16:creationId xmlns:a16="http://schemas.microsoft.com/office/drawing/2014/main" id="{CD795ED6-A0C3-90B5-CA07-8802932BDBD5}"/>
               </a:ext>
             </a:extLst>
           </p:cNvPr>
@@ -840,7 +840,7 @@
           <p:cNvPr id="4" name="日期占位符 3">
             <a:extLst>
               <a:ext uri="{FF2B5EF4-FFF2-40B4-BE49-F238E27FC236}">
-                <a16:creationId xmlns:a16="http://schemas.microsoft.com/office/drawing/2014/main" id="{24B654BC-15CE-E2F5-4DF4-54C673AE8DCD}"/>
+                <a16:creationId xmlns:a16="http://schemas.microsoft.com/office/drawing/2014/main" id="{13FFA84F-F752-06E4-3054-FAC770466AA8}"/>
               </a:ext>
             </a:extLst>
           </p:cNvPr>
@@ -856,7 +856,7 @@
           <a:bodyPr/>
           <a:lstStyle/>
           <a:p>
-            <a:fld id="{39C2AE4D-5497-42D2-833E-6A9A269534C8}" type="datetimeFigureOut">
+            <a:fld id="{A929F3FB-F4C3-44BF-A5FE-D56F027338FF}" type="datetimeFigureOut">
               <a:rPr lang="zh-CN" altLang="en-US" smtClean="0"/>
               <a:t>2024/3/10</a:t>
             </a:fld>
@@ -869,7 +869,7 @@
           <p:cNvPr id="5" name="页脚占位符 4">
             <a:extLst>
               <a:ext uri="{FF2B5EF4-FFF2-40B4-BE49-F238E27FC236}">
-                <a16:creationId xmlns:a16="http://schemas.microsoft.com/office/drawing/2014/main" id="{C2D46403-B576-C30E-384F-4802013A2968}"/>
+                <a16:creationId xmlns:a16="http://schemas.microsoft.com/office/drawing/2014/main" id="{F274ED1E-1E4F-15ED-63DB-9CA91DB5F484}"/>
               </a:ext>
             </a:extLst>
           </p:cNvPr>
@@ -894,7 +894,7 @@
           <p:cNvPr id="6" name="灯片编号占位符 5">
             <a:extLst>
               <a:ext uri="{FF2B5EF4-FFF2-40B4-BE49-F238E27FC236}">
-                <a16:creationId xmlns:a16="http://schemas.microsoft.com/office/drawing/2014/main" id="{2B8EBB0D-3835-FBA2-FFB2-4C981F367E0E}"/>
+                <a16:creationId xmlns:a16="http://schemas.microsoft.com/office/drawing/2014/main" id="{C70A6A72-EB64-9779-1FCA-75A218E90631}"/>
               </a:ext>
             </a:extLst>
           </p:cNvPr>
@@ -910,7 +910,7 @@
           <a:bodyPr/>
           <a:lstStyle/>
           <a:p>
-            <a:fld id="{0ADFCE8F-D7CF-4E25-AFD5-BAA7CEC198EA}" type="slidenum">
+            <a:fld id="{99DEF94A-5CA1-4BB5-880C-2540FE052B78}" type="slidenum">
               <a:rPr lang="zh-CN" altLang="en-US" smtClean="0"/>
               <a:t>‹#›</a:t>
             </a:fld>
@@ -921,7 +921,7 @@
     </p:spTree>
     <p:extLst>
       <p:ext uri="{BB962C8B-B14F-4D97-AF65-F5344CB8AC3E}">
-        <p14:creationId xmlns:p14="http://schemas.microsoft.com/office/powerpoint/2010/main" val="3842646394"/>
+        <p14:creationId xmlns:p14="http://schemas.microsoft.com/office/powerpoint/2010/main" val="2425838527"/>
       </p:ext>
     </p:extLst>
   </p:cSld>
@@ -953,7 +953,7 @@
           <p:cNvPr id="2" name="标题 1">
             <a:extLst>
               <a:ext uri="{FF2B5EF4-FFF2-40B4-BE49-F238E27FC236}">
-                <a16:creationId xmlns:a16="http://schemas.microsoft.com/office/drawing/2014/main" id="{29F5B6D4-F504-1AF4-72B3-AA4F93120224}"/>
+                <a16:creationId xmlns:a16="http://schemas.microsoft.com/office/drawing/2014/main" id="{9EDA01CF-E842-9472-BBC4-B2EF09427621}"/>
               </a:ext>
             </a:extLst>
           </p:cNvPr>
@@ -990,7 +990,7 @@
           <p:cNvPr id="3" name="文本占位符 2">
             <a:extLst>
               <a:ext uri="{FF2B5EF4-FFF2-40B4-BE49-F238E27FC236}">
-                <a16:creationId xmlns:a16="http://schemas.microsoft.com/office/drawing/2014/main" id="{4CED84D0-5522-C840-AEBC-BB2B07AF2F39}"/>
+                <a16:creationId xmlns:a16="http://schemas.microsoft.com/office/drawing/2014/main" id="{BED2BD63-AC85-1BFE-834B-821E37588364}"/>
               </a:ext>
             </a:extLst>
           </p:cNvPr>
@@ -1115,7 +1115,7 @@
           <p:cNvPr id="4" name="日期占位符 3">
             <a:extLst>
               <a:ext uri="{FF2B5EF4-FFF2-40B4-BE49-F238E27FC236}">
-                <a16:creationId xmlns:a16="http://schemas.microsoft.com/office/drawing/2014/main" id="{24C7974F-4B64-7733-02A5-A955F52904DF}"/>
+                <a16:creationId xmlns:a16="http://schemas.microsoft.com/office/drawing/2014/main" id="{F9BC2887-F9E1-6721-5EC1-85811991DE19}"/>
               </a:ext>
             </a:extLst>
           </p:cNvPr>
@@ -1131,7 +1131,7 @@
           <a:bodyPr/>
           <a:lstStyle/>
           <a:p>
-            <a:fld id="{39C2AE4D-5497-42D2-833E-6A9A269534C8}" type="datetimeFigureOut">
+            <a:fld id="{A929F3FB-F4C3-44BF-A5FE-D56F027338FF}" type="datetimeFigureOut">
               <a:rPr lang="zh-CN" altLang="en-US" smtClean="0"/>
               <a:t>2024/3/10</a:t>
             </a:fld>
@@ -1144,7 +1144,7 @@
           <p:cNvPr id="5" name="页脚占位符 4">
             <a:extLst>
               <a:ext uri="{FF2B5EF4-FFF2-40B4-BE49-F238E27FC236}">
-                <a16:creationId xmlns:a16="http://schemas.microsoft.com/office/drawing/2014/main" id="{2121EE2D-988E-37E1-6C2E-50F83EF249B1}"/>
+                <a16:creationId xmlns:a16="http://schemas.microsoft.com/office/drawing/2014/main" id="{B6D24EB0-4B22-C5F6-9BF8-18F438585B54}"/>
               </a:ext>
             </a:extLst>
           </p:cNvPr>
@@ -1169,7 +1169,7 @@
           <p:cNvPr id="6" name="灯片编号占位符 5">
             <a:extLst>
               <a:ext uri="{FF2B5EF4-FFF2-40B4-BE49-F238E27FC236}">
-                <a16:creationId xmlns:a16="http://schemas.microsoft.com/office/drawing/2014/main" id="{DF3A6FAA-C4ED-1528-EC3A-7E1BACC1EAD9}"/>
+                <a16:creationId xmlns:a16="http://schemas.microsoft.com/office/drawing/2014/main" id="{452285AA-2828-CD75-D5C2-4336725FCCFF}"/>
               </a:ext>
             </a:extLst>
           </p:cNvPr>
@@ -1185,7 +1185,7 @@
           <a:bodyPr/>
           <a:lstStyle/>
           <a:p>
-            <a:fld id="{0ADFCE8F-D7CF-4E25-AFD5-BAA7CEC198EA}" type="slidenum">
+            <a:fld id="{99DEF94A-5CA1-4BB5-880C-2540FE052B78}" type="slidenum">
               <a:rPr lang="zh-CN" altLang="en-US" smtClean="0"/>
               <a:t>‹#›</a:t>
             </a:fld>
@@ -1196,7 +1196,7 @@
     </p:spTree>
     <p:extLst>
       <p:ext uri="{BB962C8B-B14F-4D97-AF65-F5344CB8AC3E}">
-        <p14:creationId xmlns:p14="http://schemas.microsoft.com/office/powerpoint/2010/main" val="1518644314"/>
+        <p14:creationId xmlns:p14="http://schemas.microsoft.com/office/powerpoint/2010/main" val="4049547739"/>
       </p:ext>
     </p:extLst>
   </p:cSld>
@@ -1228,7 +1228,7 @@
           <p:cNvPr id="2" name="标题 1">
             <a:extLst>
               <a:ext uri="{FF2B5EF4-FFF2-40B4-BE49-F238E27FC236}">
-                <a16:creationId xmlns:a16="http://schemas.microsoft.com/office/drawing/2014/main" id="{F4F47E9E-47EC-5F4F-EE76-451F37700F93}"/>
+                <a16:creationId xmlns:a16="http://schemas.microsoft.com/office/drawing/2014/main" id="{880CAE1E-DF4A-CB2C-FFA3-9B6CC64AA374}"/>
               </a:ext>
             </a:extLst>
           </p:cNvPr>
@@ -1256,7 +1256,7 @@
           <p:cNvPr id="3" name="内容占位符 2">
             <a:extLst>
               <a:ext uri="{FF2B5EF4-FFF2-40B4-BE49-F238E27FC236}">
-                <a16:creationId xmlns:a16="http://schemas.microsoft.com/office/drawing/2014/main" id="{C5D9CC05-56D8-937E-BB69-351E7110DF4C}"/>
+                <a16:creationId xmlns:a16="http://schemas.microsoft.com/office/drawing/2014/main" id="{0DF76E74-15B9-DC9E-F686-B3F16DD15283}"/>
               </a:ext>
             </a:extLst>
           </p:cNvPr>
@@ -1318,7 +1318,7 @@
           <p:cNvPr id="4" name="内容占位符 3">
             <a:extLst>
               <a:ext uri="{FF2B5EF4-FFF2-40B4-BE49-F238E27FC236}">
-                <a16:creationId xmlns:a16="http://schemas.microsoft.com/office/drawing/2014/main" id="{936C0188-D96A-96D3-8A9B-6538C9966D5C}"/>
+                <a16:creationId xmlns:a16="http://schemas.microsoft.com/office/drawing/2014/main" id="{9A660E41-DF5B-5191-E26A-122A0B239139}"/>
               </a:ext>
             </a:extLst>
           </p:cNvPr>
@@ -1380,7 +1380,7 @@
           <p:cNvPr id="5" name="日期占位符 4">
             <a:extLst>
               <a:ext uri="{FF2B5EF4-FFF2-40B4-BE49-F238E27FC236}">
-                <a16:creationId xmlns:a16="http://schemas.microsoft.com/office/drawing/2014/main" id="{47C17FC3-3739-8F30-D481-C46EC0A2490F}"/>
+                <a16:creationId xmlns:a16="http://schemas.microsoft.com/office/drawing/2014/main" id="{7D5D2A34-FD38-AD57-8965-0E9D6B62D783}"/>
               </a:ext>
             </a:extLst>
           </p:cNvPr>
@@ -1396,7 +1396,7 @@
           <a:bodyPr/>
           <a:lstStyle/>
           <a:p>
-            <a:fld id="{39C2AE4D-5497-42D2-833E-6A9A269534C8}" type="datetimeFigureOut">
+            <a:fld id="{A929F3FB-F4C3-44BF-A5FE-D56F027338FF}" type="datetimeFigureOut">
               <a:rPr lang="zh-CN" altLang="en-US" smtClean="0"/>
               <a:t>2024/3/10</a:t>
             </a:fld>
@@ -1409,7 +1409,7 @@
           <p:cNvPr id="6" name="页脚占位符 5">
             <a:extLst>
               <a:ext uri="{FF2B5EF4-FFF2-40B4-BE49-F238E27FC236}">
-                <a16:creationId xmlns:a16="http://schemas.microsoft.com/office/drawing/2014/main" id="{B9085D48-F16A-1C8F-2863-BCBE5B3AB3A1}"/>
+                <a16:creationId xmlns:a16="http://schemas.microsoft.com/office/drawing/2014/main" id="{04D90EC2-5819-F929-9D95-64E85DB944F9}"/>
               </a:ext>
             </a:extLst>
           </p:cNvPr>
@@ -1434,7 +1434,7 @@
           <p:cNvPr id="7" name="灯片编号占位符 6">
             <a:extLst>
               <a:ext uri="{FF2B5EF4-FFF2-40B4-BE49-F238E27FC236}">
-                <a16:creationId xmlns:a16="http://schemas.microsoft.com/office/drawing/2014/main" id="{3B17374E-3BD5-1BCA-541E-EB4B13EA549D}"/>
+                <a16:creationId xmlns:a16="http://schemas.microsoft.com/office/drawing/2014/main" id="{7DA645A1-0C4A-34CA-9B76-29B35275CE36}"/>
               </a:ext>
             </a:extLst>
           </p:cNvPr>
@@ -1450,7 +1450,7 @@
           <a:bodyPr/>
           <a:lstStyle/>
           <a:p>
-            <a:fld id="{0ADFCE8F-D7CF-4E25-AFD5-BAA7CEC198EA}" type="slidenum">
+            <a:fld id="{99DEF94A-5CA1-4BB5-880C-2540FE052B78}" type="slidenum">
               <a:rPr lang="zh-CN" altLang="en-US" smtClean="0"/>
               <a:t>‹#›</a:t>
             </a:fld>
@@ -1461,7 +1461,7 @@
     </p:spTree>
     <p:extLst>
       <p:ext uri="{BB962C8B-B14F-4D97-AF65-F5344CB8AC3E}">
-        <p14:creationId xmlns:p14="http://schemas.microsoft.com/office/powerpoint/2010/main" val="1800969116"/>
+        <p14:creationId xmlns:p14="http://schemas.microsoft.com/office/powerpoint/2010/main" val="1126627783"/>
       </p:ext>
     </p:extLst>
   </p:cSld>
@@ -1493,7 +1493,7 @@
           <p:cNvPr id="2" name="标题 1">
             <a:extLst>
               <a:ext uri="{FF2B5EF4-FFF2-40B4-BE49-F238E27FC236}">
-                <a16:creationId xmlns:a16="http://schemas.microsoft.com/office/drawing/2014/main" id="{B6FAC64B-4E14-B94B-F319-0428B8469B1E}"/>
+                <a16:creationId xmlns:a16="http://schemas.microsoft.com/office/drawing/2014/main" id="{59A2F0D8-6DDA-13CA-B8D1-747D2A5EE270}"/>
               </a:ext>
             </a:extLst>
           </p:cNvPr>
@@ -1526,7 +1526,7 @@
           <p:cNvPr id="3" name="文本占位符 2">
             <a:extLst>
               <a:ext uri="{FF2B5EF4-FFF2-40B4-BE49-F238E27FC236}">
-                <a16:creationId xmlns:a16="http://schemas.microsoft.com/office/drawing/2014/main" id="{5E14B8DD-8BA2-91F3-AD5F-9AA0C1C0B2BF}"/>
+                <a16:creationId xmlns:a16="http://schemas.microsoft.com/office/drawing/2014/main" id="{D51AC877-6721-996F-41A8-76885CC539B1}"/>
               </a:ext>
             </a:extLst>
           </p:cNvPr>
@@ -1597,7 +1597,7 @@
           <p:cNvPr id="4" name="内容占位符 3">
             <a:extLst>
               <a:ext uri="{FF2B5EF4-FFF2-40B4-BE49-F238E27FC236}">
-                <a16:creationId xmlns:a16="http://schemas.microsoft.com/office/drawing/2014/main" id="{76947E0C-E9D5-9ACD-3B36-E601F95A86E3}"/>
+                <a16:creationId xmlns:a16="http://schemas.microsoft.com/office/drawing/2014/main" id="{D6B33DFA-8FAC-AE00-1D1A-4089C393FA0A}"/>
               </a:ext>
             </a:extLst>
           </p:cNvPr>
@@ -1659,7 +1659,7 @@
           <p:cNvPr id="5" name="文本占位符 4">
             <a:extLst>
               <a:ext uri="{FF2B5EF4-FFF2-40B4-BE49-F238E27FC236}">
-                <a16:creationId xmlns:a16="http://schemas.microsoft.com/office/drawing/2014/main" id="{68CD2F8F-7DB6-0220-A75D-F978429AB39A}"/>
+                <a16:creationId xmlns:a16="http://schemas.microsoft.com/office/drawing/2014/main" id="{5F1C43E4-B3A6-BF5B-10A7-2B5183ACD4CB}"/>
               </a:ext>
             </a:extLst>
           </p:cNvPr>
@@ -1730,7 +1730,7 @@
           <p:cNvPr id="6" name="内容占位符 5">
             <a:extLst>
               <a:ext uri="{FF2B5EF4-FFF2-40B4-BE49-F238E27FC236}">
-                <a16:creationId xmlns:a16="http://schemas.microsoft.com/office/drawing/2014/main" id="{1F7C61E3-1867-0A49-4E0A-DB170DAB7B7A}"/>
+                <a16:creationId xmlns:a16="http://schemas.microsoft.com/office/drawing/2014/main" id="{BFFAF7B1-03B9-1091-07D5-5C9E35E29A5E}"/>
               </a:ext>
             </a:extLst>
           </p:cNvPr>
@@ -1792,7 +1792,7 @@
           <p:cNvPr id="7" name="日期占位符 6">
             <a:extLst>
               <a:ext uri="{FF2B5EF4-FFF2-40B4-BE49-F238E27FC236}">
-                <a16:creationId xmlns:a16="http://schemas.microsoft.com/office/drawing/2014/main" id="{E00FA458-0116-865D-513E-FC11915FF719}"/>
+                <a16:creationId xmlns:a16="http://schemas.microsoft.com/office/drawing/2014/main" id="{7866B2F9-819C-8588-B12E-C7977EAF11D6}"/>
               </a:ext>
             </a:extLst>
           </p:cNvPr>
@@ -1808,7 +1808,7 @@
           <a:bodyPr/>
           <a:lstStyle/>
           <a:p>
-            <a:fld id="{39C2AE4D-5497-42D2-833E-6A9A269534C8}" type="datetimeFigureOut">
+            <a:fld id="{A929F3FB-F4C3-44BF-A5FE-D56F027338FF}" type="datetimeFigureOut">
               <a:rPr lang="zh-CN" altLang="en-US" smtClean="0"/>
               <a:t>2024/3/10</a:t>
             </a:fld>
@@ -1821,7 +1821,7 @@
           <p:cNvPr id="8" name="页脚占位符 7">
             <a:extLst>
               <a:ext uri="{FF2B5EF4-FFF2-40B4-BE49-F238E27FC236}">
-                <a16:creationId xmlns:a16="http://schemas.microsoft.com/office/drawing/2014/main" id="{798FEE4F-0336-D108-6A02-1727C3FFE581}"/>
+                <a16:creationId xmlns:a16="http://schemas.microsoft.com/office/drawing/2014/main" id="{45672674-9D03-726C-C651-9D2E806ECCF1}"/>
               </a:ext>
             </a:extLst>
           </p:cNvPr>
@@ -1846,7 +1846,7 @@
           <p:cNvPr id="9" name="灯片编号占位符 8">
             <a:extLst>
               <a:ext uri="{FF2B5EF4-FFF2-40B4-BE49-F238E27FC236}">
-                <a16:creationId xmlns:a16="http://schemas.microsoft.com/office/drawing/2014/main" id="{30F72A8D-8523-84B8-A332-A97C2EBAA57B}"/>
+                <a16:creationId xmlns:a16="http://schemas.microsoft.com/office/drawing/2014/main" id="{9E734D73-A549-68D1-55B5-D5C795E1BCFC}"/>
               </a:ext>
             </a:extLst>
           </p:cNvPr>
@@ -1862,7 +1862,7 @@
           <a:bodyPr/>
           <a:lstStyle/>
           <a:p>
-            <a:fld id="{0ADFCE8F-D7CF-4E25-AFD5-BAA7CEC198EA}" type="slidenum">
+            <a:fld id="{99DEF94A-5CA1-4BB5-880C-2540FE052B78}" type="slidenum">
               <a:rPr lang="zh-CN" altLang="en-US" smtClean="0"/>
               <a:t>‹#›</a:t>
             </a:fld>
@@ -1873,7 +1873,7 @@
     </p:spTree>
     <p:extLst>
       <p:ext uri="{BB962C8B-B14F-4D97-AF65-F5344CB8AC3E}">
-        <p14:creationId xmlns:p14="http://schemas.microsoft.com/office/powerpoint/2010/main" val="1671821346"/>
+        <p14:creationId xmlns:p14="http://schemas.microsoft.com/office/powerpoint/2010/main" val="1756997868"/>
       </p:ext>
     </p:extLst>
   </p:cSld>
@@ -1905,7 +1905,7 @@
           <p:cNvPr id="2" name="标题 1">
             <a:extLst>
               <a:ext uri="{FF2B5EF4-FFF2-40B4-BE49-F238E27FC236}">
-                <a16:creationId xmlns:a16="http://schemas.microsoft.com/office/drawing/2014/main" id="{FC867ED6-DF84-4BE2-92E4-6E63A622615A}"/>
+                <a16:creationId xmlns:a16="http://schemas.microsoft.com/office/drawing/2014/main" id="{B7F5F3CF-6E34-F9B8-32BA-90CBFD419B39}"/>
               </a:ext>
             </a:extLst>
           </p:cNvPr>
@@ -1933,7 +1933,7 @@
           <p:cNvPr id="3" name="日期占位符 2">
             <a:extLst>
               <a:ext uri="{FF2B5EF4-FFF2-40B4-BE49-F238E27FC236}">
-                <a16:creationId xmlns:a16="http://schemas.microsoft.com/office/drawing/2014/main" id="{7194804C-FBA9-5F18-5C14-879C4721701A}"/>
+                <a16:creationId xmlns:a16="http://schemas.microsoft.com/office/drawing/2014/main" id="{4FAE8923-3312-B7AD-04DE-5F3EF3BCD8AF}"/>
               </a:ext>
             </a:extLst>
           </p:cNvPr>
@@ -1949,7 +1949,7 @@
           <a:bodyPr/>
           <a:lstStyle/>
           <a:p>
-            <a:fld id="{39C2AE4D-5497-42D2-833E-6A9A269534C8}" type="datetimeFigureOut">
+            <a:fld id="{A929F3FB-F4C3-44BF-A5FE-D56F027338FF}" type="datetimeFigureOut">
               <a:rPr lang="zh-CN" altLang="en-US" smtClean="0"/>
               <a:t>2024/3/10</a:t>
             </a:fld>
@@ -1962,7 +1962,7 @@
           <p:cNvPr id="4" name="页脚占位符 3">
             <a:extLst>
               <a:ext uri="{FF2B5EF4-FFF2-40B4-BE49-F238E27FC236}">
-                <a16:creationId xmlns:a16="http://schemas.microsoft.com/office/drawing/2014/main" id="{D1591BC3-0A1A-BC72-6C00-AF64B69F91D2}"/>
+                <a16:creationId xmlns:a16="http://schemas.microsoft.com/office/drawing/2014/main" id="{8721F0EB-9B37-1F24-4771-46CC005829F1}"/>
               </a:ext>
             </a:extLst>
           </p:cNvPr>
@@ -1987,7 +1987,7 @@
           <p:cNvPr id="5" name="灯片编号占位符 4">
             <a:extLst>
               <a:ext uri="{FF2B5EF4-FFF2-40B4-BE49-F238E27FC236}">
-                <a16:creationId xmlns:a16="http://schemas.microsoft.com/office/drawing/2014/main" id="{5DFC8187-5BCB-DABC-A938-079A8A4980C9}"/>
+                <a16:creationId xmlns:a16="http://schemas.microsoft.com/office/drawing/2014/main" id="{7C6B1D67-AC04-A9A6-EF69-263050F09044}"/>
               </a:ext>
             </a:extLst>
           </p:cNvPr>
@@ -2003,7 +2003,7 @@
           <a:bodyPr/>
           <a:lstStyle/>
           <a:p>
-            <a:fld id="{0ADFCE8F-D7CF-4E25-AFD5-BAA7CEC198EA}" type="slidenum">
+            <a:fld id="{99DEF94A-5CA1-4BB5-880C-2540FE052B78}" type="slidenum">
               <a:rPr lang="zh-CN" altLang="en-US" smtClean="0"/>
               <a:t>‹#›</a:t>
             </a:fld>
@@ -2014,7 +2014,7 @@
     </p:spTree>
     <p:extLst>
       <p:ext uri="{BB962C8B-B14F-4D97-AF65-F5344CB8AC3E}">
-        <p14:creationId xmlns:p14="http://schemas.microsoft.com/office/powerpoint/2010/main" val="124005698"/>
+        <p14:creationId xmlns:p14="http://schemas.microsoft.com/office/powerpoint/2010/main" val="988536917"/>
       </p:ext>
     </p:extLst>
   </p:cSld>
@@ -2046,7 +2046,7 @@
           <p:cNvPr id="2" name="日期占位符 1">
             <a:extLst>
               <a:ext uri="{FF2B5EF4-FFF2-40B4-BE49-F238E27FC236}">
-                <a16:creationId xmlns:a16="http://schemas.microsoft.com/office/drawing/2014/main" id="{2C460208-55BE-90B0-B837-C9E7C2B2F56A}"/>
+                <a16:creationId xmlns:a16="http://schemas.microsoft.com/office/drawing/2014/main" id="{40CD9C46-10D2-B836-9D77-F7347CCEA9EC}"/>
               </a:ext>
             </a:extLst>
           </p:cNvPr>
@@ -2062,7 +2062,7 @@
           <a:bodyPr/>
           <a:lstStyle/>
           <a:p>
-            <a:fld id="{39C2AE4D-5497-42D2-833E-6A9A269534C8}" type="datetimeFigureOut">
+            <a:fld id="{A929F3FB-F4C3-44BF-A5FE-D56F027338FF}" type="datetimeFigureOut">
               <a:rPr lang="zh-CN" altLang="en-US" smtClean="0"/>
               <a:t>2024/3/10</a:t>
             </a:fld>
@@ -2075,7 +2075,7 @@
           <p:cNvPr id="3" name="页脚占位符 2">
             <a:extLst>
               <a:ext uri="{FF2B5EF4-FFF2-40B4-BE49-F238E27FC236}">
-                <a16:creationId xmlns:a16="http://schemas.microsoft.com/office/drawing/2014/main" id="{C0A8A730-5C67-FF18-6341-9890FADA2F3A}"/>
+                <a16:creationId xmlns:a16="http://schemas.microsoft.com/office/drawing/2014/main" id="{91E64E7D-C815-10AE-336E-D87699DAFC4B}"/>
               </a:ext>
             </a:extLst>
           </p:cNvPr>
@@ -2100,7 +2100,7 @@
           <p:cNvPr id="4" name="灯片编号占位符 3">
             <a:extLst>
               <a:ext uri="{FF2B5EF4-FFF2-40B4-BE49-F238E27FC236}">
-                <a16:creationId xmlns:a16="http://schemas.microsoft.com/office/drawing/2014/main" id="{999B8120-0246-3F0B-9F3D-92599B2CFBFB}"/>
+                <a16:creationId xmlns:a16="http://schemas.microsoft.com/office/drawing/2014/main" id="{71726822-33E1-0B2A-C967-5046D38054FA}"/>
               </a:ext>
             </a:extLst>
           </p:cNvPr>
@@ -2116,7 +2116,7 @@
           <a:bodyPr/>
           <a:lstStyle/>
           <a:p>
-            <a:fld id="{0ADFCE8F-D7CF-4E25-AFD5-BAA7CEC198EA}" type="slidenum">
+            <a:fld id="{99DEF94A-5CA1-4BB5-880C-2540FE052B78}" type="slidenum">
               <a:rPr lang="zh-CN" altLang="en-US" smtClean="0"/>
               <a:t>‹#›</a:t>
             </a:fld>
@@ -2127,7 +2127,7 @@
     </p:spTree>
     <p:extLst>
       <p:ext uri="{BB962C8B-B14F-4D97-AF65-F5344CB8AC3E}">
-        <p14:creationId xmlns:p14="http://schemas.microsoft.com/office/powerpoint/2010/main" val="3518596462"/>
+        <p14:creationId xmlns:p14="http://schemas.microsoft.com/office/powerpoint/2010/main" val="1490043867"/>
       </p:ext>
     </p:extLst>
   </p:cSld>
@@ -2159,7 +2159,7 @@
           <p:cNvPr id="2" name="标题 1">
             <a:extLst>
               <a:ext uri="{FF2B5EF4-FFF2-40B4-BE49-F238E27FC236}">
-                <a16:creationId xmlns:a16="http://schemas.microsoft.com/office/drawing/2014/main" id="{A5DC4059-7B5D-A631-B094-36563C85CF7B}"/>
+                <a16:creationId xmlns:a16="http://schemas.microsoft.com/office/drawing/2014/main" id="{115CA092-49FA-C9A9-B57D-BF65A56BA292}"/>
               </a:ext>
             </a:extLst>
           </p:cNvPr>
@@ -2196,7 +2196,7 @@
           <p:cNvPr id="3" name="内容占位符 2">
             <a:extLst>
               <a:ext uri="{FF2B5EF4-FFF2-40B4-BE49-F238E27FC236}">
-                <a16:creationId xmlns:a16="http://schemas.microsoft.com/office/drawing/2014/main" id="{B8F4E94A-845D-89CA-AD7B-84369BB21E73}"/>
+                <a16:creationId xmlns:a16="http://schemas.microsoft.com/office/drawing/2014/main" id="{FD024B19-1F99-746A-FC0D-8A814D5EAA0F}"/>
               </a:ext>
             </a:extLst>
           </p:cNvPr>
@@ -2286,7 +2286,7 @@
           <p:cNvPr id="4" name="文本占位符 3">
             <a:extLst>
               <a:ext uri="{FF2B5EF4-FFF2-40B4-BE49-F238E27FC236}">
-                <a16:creationId xmlns:a16="http://schemas.microsoft.com/office/drawing/2014/main" id="{1FD3F3CA-0D32-59FF-A39E-BBFD934D1F52}"/>
+                <a16:creationId xmlns:a16="http://schemas.microsoft.com/office/drawing/2014/main" id="{2DB187EE-D54C-4251-0C1F-35878C7D9324}"/>
               </a:ext>
             </a:extLst>
           </p:cNvPr>
@@ -2357,7 +2357,7 @@
           <p:cNvPr id="5" name="日期占位符 4">
             <a:extLst>
               <a:ext uri="{FF2B5EF4-FFF2-40B4-BE49-F238E27FC236}">
-                <a16:creationId xmlns:a16="http://schemas.microsoft.com/office/drawing/2014/main" id="{A8A6EFF6-F043-767F-B6C4-91512CBF0BBF}"/>
+                <a16:creationId xmlns:a16="http://schemas.microsoft.com/office/drawing/2014/main" id="{1923D3B2-63EB-075E-814F-A71C4E0975A6}"/>
               </a:ext>
             </a:extLst>
           </p:cNvPr>
@@ -2373,7 +2373,7 @@
           <a:bodyPr/>
           <a:lstStyle/>
           <a:p>
-            <a:fld id="{39C2AE4D-5497-42D2-833E-6A9A269534C8}" type="datetimeFigureOut">
+            <a:fld id="{A929F3FB-F4C3-44BF-A5FE-D56F027338FF}" type="datetimeFigureOut">
               <a:rPr lang="zh-CN" altLang="en-US" smtClean="0"/>
               <a:t>2024/3/10</a:t>
             </a:fld>
@@ -2386,7 +2386,7 @@
           <p:cNvPr id="6" name="页脚占位符 5">
             <a:extLst>
               <a:ext uri="{FF2B5EF4-FFF2-40B4-BE49-F238E27FC236}">
-                <a16:creationId xmlns:a16="http://schemas.microsoft.com/office/drawing/2014/main" id="{80D3C7F9-9255-7CD6-2D28-E03C410528C7}"/>
+                <a16:creationId xmlns:a16="http://schemas.microsoft.com/office/drawing/2014/main" id="{BAE6363E-7CD8-9A23-596B-AE009786B788}"/>
               </a:ext>
             </a:extLst>
           </p:cNvPr>
@@ -2411,7 +2411,7 @@
           <p:cNvPr id="7" name="灯片编号占位符 6">
             <a:extLst>
               <a:ext uri="{FF2B5EF4-FFF2-40B4-BE49-F238E27FC236}">
-                <a16:creationId xmlns:a16="http://schemas.microsoft.com/office/drawing/2014/main" id="{95A946FF-AF18-12D9-2903-5594679D72B5}"/>
+                <a16:creationId xmlns:a16="http://schemas.microsoft.com/office/drawing/2014/main" id="{BBB8CE5C-6EC3-A5FD-A745-E2A501B29A30}"/>
               </a:ext>
             </a:extLst>
           </p:cNvPr>
@@ -2427,7 +2427,7 @@
           <a:bodyPr/>
           <a:lstStyle/>
           <a:p>
-            <a:fld id="{0ADFCE8F-D7CF-4E25-AFD5-BAA7CEC198EA}" type="slidenum">
+            <a:fld id="{99DEF94A-5CA1-4BB5-880C-2540FE052B78}" type="slidenum">
               <a:rPr lang="zh-CN" altLang="en-US" smtClean="0"/>
               <a:t>‹#›</a:t>
             </a:fld>
@@ -2438,7 +2438,7 @@
     </p:spTree>
     <p:extLst>
       <p:ext uri="{BB962C8B-B14F-4D97-AF65-F5344CB8AC3E}">
-        <p14:creationId xmlns:p14="http://schemas.microsoft.com/office/powerpoint/2010/main" val="603001945"/>
+        <p14:creationId xmlns:p14="http://schemas.microsoft.com/office/powerpoint/2010/main" val="660365410"/>
       </p:ext>
     </p:extLst>
   </p:cSld>
@@ -2470,7 +2470,7 @@
           <p:cNvPr id="2" name="标题 1">
             <a:extLst>
               <a:ext uri="{FF2B5EF4-FFF2-40B4-BE49-F238E27FC236}">
-                <a16:creationId xmlns:a16="http://schemas.microsoft.com/office/drawing/2014/main" id="{97711917-683A-7B9A-20C0-23EB54AA444C}"/>
+                <a16:creationId xmlns:a16="http://schemas.microsoft.com/office/drawing/2014/main" id="{42298B9F-2626-992F-DDEA-B38BDE5011C1}"/>
               </a:ext>
             </a:extLst>
           </p:cNvPr>
@@ -2507,7 +2507,7 @@
           <p:cNvPr id="3" name="图片占位符 2">
             <a:extLst>
               <a:ext uri="{FF2B5EF4-FFF2-40B4-BE49-F238E27FC236}">
-                <a16:creationId xmlns:a16="http://schemas.microsoft.com/office/drawing/2014/main" id="{7CAA977F-AAC5-6DEE-B3AE-73E92880E783}"/>
+                <a16:creationId xmlns:a16="http://schemas.microsoft.com/office/drawing/2014/main" id="{8565D55E-2692-2388-1BAB-91524076593F}"/>
               </a:ext>
             </a:extLst>
           </p:cNvPr>
@@ -2574,7 +2574,7 @@
           <p:cNvPr id="4" name="文本占位符 3">
             <a:extLst>
               <a:ext uri="{FF2B5EF4-FFF2-40B4-BE49-F238E27FC236}">
-                <a16:creationId xmlns:a16="http://schemas.microsoft.com/office/drawing/2014/main" id="{F60CE74A-EE9A-F9A7-70DD-C9EEF34843DD}"/>
+                <a16:creationId xmlns:a16="http://schemas.microsoft.com/office/drawing/2014/main" id="{15FAC516-743A-FA69-E507-30DFE18805FD}"/>
               </a:ext>
             </a:extLst>
           </p:cNvPr>
@@ -2645,7 +2645,7 @@
           <p:cNvPr id="5" name="日期占位符 4">
             <a:extLst>
               <a:ext uri="{FF2B5EF4-FFF2-40B4-BE49-F238E27FC236}">
-                <a16:creationId xmlns:a16="http://schemas.microsoft.com/office/drawing/2014/main" id="{9EF5D493-58EC-715B-A47A-B218B9800CF4}"/>
+                <a16:creationId xmlns:a16="http://schemas.microsoft.com/office/drawing/2014/main" id="{DB59FB5E-6912-49B9-A706-C9D7FC0ECCA5}"/>
               </a:ext>
             </a:extLst>
           </p:cNvPr>
@@ -2661,7 +2661,7 @@
           <a:bodyPr/>
           <a:lstStyle/>
           <a:p>
-            <a:fld id="{39C2AE4D-5497-42D2-833E-6A9A269534C8}" type="datetimeFigureOut">
+            <a:fld id="{A929F3FB-F4C3-44BF-A5FE-D56F027338FF}" type="datetimeFigureOut">
               <a:rPr lang="zh-CN" altLang="en-US" smtClean="0"/>
               <a:t>2024/3/10</a:t>
             </a:fld>
@@ -2674,7 +2674,7 @@
           <p:cNvPr id="6" name="页脚占位符 5">
             <a:extLst>
               <a:ext uri="{FF2B5EF4-FFF2-40B4-BE49-F238E27FC236}">
-                <a16:creationId xmlns:a16="http://schemas.microsoft.com/office/drawing/2014/main" id="{CEB7ACE9-3C04-9046-2331-76A98A951010}"/>
+                <a16:creationId xmlns:a16="http://schemas.microsoft.com/office/drawing/2014/main" id="{D4C23174-94D0-A67D-EFAB-3C1243C21297}"/>
               </a:ext>
             </a:extLst>
           </p:cNvPr>
@@ -2699,7 +2699,7 @@
           <p:cNvPr id="7" name="灯片编号占位符 6">
             <a:extLst>
               <a:ext uri="{FF2B5EF4-FFF2-40B4-BE49-F238E27FC236}">
-                <a16:creationId xmlns:a16="http://schemas.microsoft.com/office/drawing/2014/main" id="{54242C34-4F61-5F31-4F4C-860B1E2537EE}"/>
+                <a16:creationId xmlns:a16="http://schemas.microsoft.com/office/drawing/2014/main" id="{404892E3-F7F4-5466-9DDF-0745C516D6A4}"/>
               </a:ext>
             </a:extLst>
           </p:cNvPr>
@@ -2715,7 +2715,7 @@
           <a:bodyPr/>
           <a:lstStyle/>
           <a:p>
-            <a:fld id="{0ADFCE8F-D7CF-4E25-AFD5-BAA7CEC198EA}" type="slidenum">
+            <a:fld id="{99DEF94A-5CA1-4BB5-880C-2540FE052B78}" type="slidenum">
               <a:rPr lang="zh-CN" altLang="en-US" smtClean="0"/>
               <a:t>‹#›</a:t>
             </a:fld>
@@ -2726,7 +2726,7 @@
     </p:spTree>
     <p:extLst>
       <p:ext uri="{BB962C8B-B14F-4D97-AF65-F5344CB8AC3E}">
-        <p14:creationId xmlns:p14="http://schemas.microsoft.com/office/powerpoint/2010/main" val="2996806288"/>
+        <p14:creationId xmlns:p14="http://schemas.microsoft.com/office/powerpoint/2010/main" val="2407629431"/>
       </p:ext>
     </p:extLst>
   </p:cSld>
@@ -2763,7 +2763,7 @@
           <p:cNvPr id="2" name="标题占位符 1">
             <a:extLst>
               <a:ext uri="{FF2B5EF4-FFF2-40B4-BE49-F238E27FC236}">
-                <a16:creationId xmlns:a16="http://schemas.microsoft.com/office/drawing/2014/main" id="{8FBF721C-3A3C-9796-A488-B6420664561F}"/>
+                <a16:creationId xmlns:a16="http://schemas.microsoft.com/office/drawing/2014/main" id="{C13D000B-5605-13B7-47C8-8F035C57FBDE}"/>
               </a:ext>
             </a:extLst>
           </p:cNvPr>
@@ -2801,7 +2801,7 @@
           <p:cNvPr id="3" name="文本占位符 2">
             <a:extLst>
               <a:ext uri="{FF2B5EF4-FFF2-40B4-BE49-F238E27FC236}">
-                <a16:creationId xmlns:a16="http://schemas.microsoft.com/office/drawing/2014/main" id="{ED6158E7-484A-9444-C09A-8B6B06AD31A9}"/>
+                <a16:creationId xmlns:a16="http://schemas.microsoft.com/office/drawing/2014/main" id="{169EFB73-EEF4-8C50-5C73-962799EC8A76}"/>
               </a:ext>
             </a:extLst>
           </p:cNvPr>
@@ -2868,7 +2868,7 @@
           <p:cNvPr id="4" name="日期占位符 3">
             <a:extLst>
               <a:ext uri="{FF2B5EF4-FFF2-40B4-BE49-F238E27FC236}">
-                <a16:creationId xmlns:a16="http://schemas.microsoft.com/office/drawing/2014/main" id="{262B224A-6714-3CF1-08D4-FBEEEA24AF71}"/>
+                <a16:creationId xmlns:a16="http://schemas.microsoft.com/office/drawing/2014/main" id="{42416F3F-56F8-0C87-77B9-EEA7CAD20339}"/>
               </a:ext>
             </a:extLst>
           </p:cNvPr>
@@ -2902,7 +2902,7 @@
             </a:lvl1pPr>
           </a:lstStyle>
           <a:p>
-            <a:fld id="{39C2AE4D-5497-42D2-833E-6A9A269534C8}" type="datetimeFigureOut">
+            <a:fld id="{A929F3FB-F4C3-44BF-A5FE-D56F027338FF}" type="datetimeFigureOut">
               <a:rPr lang="zh-CN" altLang="en-US" smtClean="0"/>
               <a:t>2024/3/10</a:t>
             </a:fld>
@@ -2915,7 +2915,7 @@
           <p:cNvPr id="5" name="页脚占位符 4">
             <a:extLst>
               <a:ext uri="{FF2B5EF4-FFF2-40B4-BE49-F238E27FC236}">
-                <a16:creationId xmlns:a16="http://schemas.microsoft.com/office/drawing/2014/main" id="{A9423151-DE63-1834-8038-A7B71C69C28D}"/>
+                <a16:creationId xmlns:a16="http://schemas.microsoft.com/office/drawing/2014/main" id="{79E0A768-59CB-44FB-3AF4-F98405F5C2DE}"/>
               </a:ext>
             </a:extLst>
           </p:cNvPr>
@@ -2958,7 +2958,7 @@
           <p:cNvPr id="6" name="灯片编号占位符 5">
             <a:extLst>
               <a:ext uri="{FF2B5EF4-FFF2-40B4-BE49-F238E27FC236}">
-                <a16:creationId xmlns:a16="http://schemas.microsoft.com/office/drawing/2014/main" id="{E190A55A-441C-1CED-31F6-ABF2328B3A31}"/>
+                <a16:creationId xmlns:a16="http://schemas.microsoft.com/office/drawing/2014/main" id="{DCF3991D-5D5B-07CC-75C8-64CE8E878CAF}"/>
               </a:ext>
             </a:extLst>
           </p:cNvPr>
@@ -2992,7 +2992,7 @@
             </a:lvl1pPr>
           </a:lstStyle>
           <a:p>
-            <a:fld id="{0ADFCE8F-D7CF-4E25-AFD5-BAA7CEC198EA}" type="slidenum">
+            <a:fld id="{99DEF94A-5CA1-4BB5-880C-2540FE052B78}" type="slidenum">
               <a:rPr lang="zh-CN" altLang="en-US" smtClean="0"/>
               <a:t>‹#›</a:t>
             </a:fld>
@@ -3003,7 +3003,7 @@
     </p:spTree>
     <p:extLst>
       <p:ext uri="{BB962C8B-B14F-4D97-AF65-F5344CB8AC3E}">
-        <p14:creationId xmlns:p14="http://schemas.microsoft.com/office/powerpoint/2010/main" val="4074747311"/>
+        <p14:creationId xmlns:p14="http://schemas.microsoft.com/office/powerpoint/2010/main" val="1239985993"/>
       </p:ext>
     </p:extLst>
   </p:cSld>
@@ -3323,7 +3323,7 @@
       </p:grpSpPr>
       <p:pic>
         <p:nvPicPr>
-          <p:cNvPr id="852994" name="Picture 2" descr="832"/>
+          <p:cNvPr id="854018" name="Picture 2" descr="833"/>
           <p:cNvPicPr>
             <a:picLocks noChangeAspect="1" noChangeArrowheads="1"/>
           </p:cNvPicPr>
@@ -3377,7 +3377,7 @@
       </p:pic>
       <p:pic>
         <p:nvPicPr>
-          <p:cNvPr id="854019" name="Picture 3" descr="832-2"/>
+          <p:cNvPr id="855043" name="Picture 3" descr="833-2"/>
           <p:cNvPicPr>
             <a:picLocks noChangeAspect="1" noChangeArrowheads="1"/>
           </p:cNvPicPr>
@@ -3398,7 +3398,7 @@
         </p:blipFill>
         <p:spPr bwMode="auto">
           <a:xfrm>
-            <a:off x="1560513" y="44450"/>
+            <a:off x="1560513" y="0"/>
             <a:ext cx="9144000" cy="6858000"/>
           </a:xfrm>
           <a:prstGeom prst="rect">
@@ -3478,7 +3478,7 @@
                                           </p:stCondLst>
                                         </p:cTn>
                                         <p:tgtEl>
-                                          <p:spTgt spid="854019"/>
+                                          <p:spTgt spid="855043"/>
                                         </p:tgtEl>
                                         <p:attrNameLst>
                                           <p:attrName>style.visibility</p:attrName>
@@ -3492,7 +3492,7 @@
                                       <p:cBhvr>
                                         <p:cTn id="7" dur="500"/>
                                         <p:tgtEl>
-                                          <p:spTgt spid="854019"/>
+                                          <p:spTgt spid="855043"/>
                                         </p:tgtEl>
                                       </p:cBhvr>
                                     </p:animEffect>
